--- a/w4.pptx
+++ b/w4.pptx
@@ -217,7 +217,7 @@
           <a:p>
             <a:fld id="{712104F9-52D3-46D4-B903-BF0203A93E47}" type="datetimeFigureOut">
               <a:rPr lang="en-US" smtClean="0"/>
-              <a:t>8/11/2019</a:t>
+              <a:t>8/19/2019</a:t>
             </a:fld>
             <a:endParaRPr lang="en-US"/>
           </a:p>
@@ -631,7 +631,7 @@
           <a:p>
             <a:fld id="{2A826778-549A-4F0D-B8A4-D43BFDE2527B}" type="datetimeFigureOut">
               <a:rPr lang="en-US" smtClean="0"/>
-              <a:t>8/11/2019</a:t>
+              <a:t>8/19/2019</a:t>
             </a:fld>
             <a:endParaRPr lang="en-US"/>
           </a:p>
@@ -829,7 +829,7 @@
           <a:p>
             <a:fld id="{2A826778-549A-4F0D-B8A4-D43BFDE2527B}" type="datetimeFigureOut">
               <a:rPr lang="en-US" smtClean="0"/>
-              <a:t>8/11/2019</a:t>
+              <a:t>8/19/2019</a:t>
             </a:fld>
             <a:endParaRPr lang="en-US"/>
           </a:p>
@@ -1037,7 +1037,7 @@
           <a:p>
             <a:fld id="{2A826778-549A-4F0D-B8A4-D43BFDE2527B}" type="datetimeFigureOut">
               <a:rPr lang="en-US" smtClean="0"/>
-              <a:t>8/11/2019</a:t>
+              <a:t>8/19/2019</a:t>
             </a:fld>
             <a:endParaRPr lang="en-US"/>
           </a:p>
@@ -1235,7 +1235,7 @@
           <a:p>
             <a:fld id="{2A826778-549A-4F0D-B8A4-D43BFDE2527B}" type="datetimeFigureOut">
               <a:rPr lang="en-US" smtClean="0"/>
-              <a:t>8/11/2019</a:t>
+              <a:t>8/19/2019</a:t>
             </a:fld>
             <a:endParaRPr lang="en-US"/>
           </a:p>
@@ -1510,7 +1510,7 @@
           <a:p>
             <a:fld id="{2A826778-549A-4F0D-B8A4-D43BFDE2527B}" type="datetimeFigureOut">
               <a:rPr lang="en-US" smtClean="0"/>
-              <a:t>8/11/2019</a:t>
+              <a:t>8/19/2019</a:t>
             </a:fld>
             <a:endParaRPr lang="en-US"/>
           </a:p>
@@ -1775,7 +1775,7 @@
           <a:p>
             <a:fld id="{2A826778-549A-4F0D-B8A4-D43BFDE2527B}" type="datetimeFigureOut">
               <a:rPr lang="en-US" smtClean="0"/>
-              <a:t>8/11/2019</a:t>
+              <a:t>8/19/2019</a:t>
             </a:fld>
             <a:endParaRPr lang="en-US"/>
           </a:p>
@@ -2187,7 +2187,7 @@
           <a:p>
             <a:fld id="{2A826778-549A-4F0D-B8A4-D43BFDE2527B}" type="datetimeFigureOut">
               <a:rPr lang="en-US" smtClean="0"/>
-              <a:t>8/11/2019</a:t>
+              <a:t>8/19/2019</a:t>
             </a:fld>
             <a:endParaRPr lang="en-US"/>
           </a:p>
@@ -2328,7 +2328,7 @@
           <a:p>
             <a:fld id="{2A826778-549A-4F0D-B8A4-D43BFDE2527B}" type="datetimeFigureOut">
               <a:rPr lang="en-US" smtClean="0"/>
-              <a:t>8/11/2019</a:t>
+              <a:t>8/19/2019</a:t>
             </a:fld>
             <a:endParaRPr lang="en-US"/>
           </a:p>
@@ -2441,7 +2441,7 @@
           <a:p>
             <a:fld id="{2A826778-549A-4F0D-B8A4-D43BFDE2527B}" type="datetimeFigureOut">
               <a:rPr lang="en-US" smtClean="0"/>
-              <a:t>8/11/2019</a:t>
+              <a:t>8/19/2019</a:t>
             </a:fld>
             <a:endParaRPr lang="en-US"/>
           </a:p>
@@ -2752,7 +2752,7 @@
           <a:p>
             <a:fld id="{2A826778-549A-4F0D-B8A4-D43BFDE2527B}" type="datetimeFigureOut">
               <a:rPr lang="en-US" smtClean="0"/>
-              <a:t>8/11/2019</a:t>
+              <a:t>8/19/2019</a:t>
             </a:fld>
             <a:endParaRPr lang="en-US"/>
           </a:p>
@@ -3040,7 +3040,7 @@
           <a:p>
             <a:fld id="{2A826778-549A-4F0D-B8A4-D43BFDE2527B}" type="datetimeFigureOut">
               <a:rPr lang="en-US" smtClean="0"/>
-              <a:t>8/11/2019</a:t>
+              <a:t>8/19/2019</a:t>
             </a:fld>
             <a:endParaRPr lang="en-US"/>
           </a:p>
@@ -3281,7 +3281,7 @@
           <a:p>
             <a:fld id="{2A826778-549A-4F0D-B8A4-D43BFDE2527B}" type="datetimeFigureOut">
               <a:rPr lang="en-US" smtClean="0"/>
-              <a:t>8/11/2019</a:t>
+              <a:t>8/19/2019</a:t>
             </a:fld>
             <a:endParaRPr lang="en-US"/>
           </a:p>
@@ -3776,16 +3776,12 @@
               <a:t>YouTutor</a:t>
             </a:r>
             <a:r>
+              <a:rPr lang="en-US"/>
+              <a:t>- W4 </a:t>
+            </a:r>
+            <a:r>
               <a:rPr lang="en-US" dirty="0"/>
-              <a:t>- W</a:t>
-            </a:r>
-            <a:r>
-              <a:rPr lang="en-NZ" dirty="0"/>
-              <a:t>2</a:t>
-            </a:r>
-            <a:r>
-              <a:rPr lang="en-US" dirty="0"/>
-              <a:t> Tim</a:t>
+              <a:t>Tim</a:t>
             </a:r>
           </a:p>
         </p:txBody>
